--- a/GrowDataBank_Application.pptx
+++ b/GrowDataBank_Application.pptx
@@ -6,9 +6,9 @@
   </p:sldMasterIdLst>
   <p:sldIdLst>
     <p:sldId id="256" r:id="rId2"/>
-    <p:sldId id="257" r:id="rId3"/>
-    <p:sldId id="258" r:id="rId4"/>
-    <p:sldId id="259" r:id="rId5"/>
+    <p:sldId id="259" r:id="rId3"/>
+    <p:sldId id="257" r:id="rId4"/>
+    <p:sldId id="258" r:id="rId5"/>
     <p:sldId id="260" r:id="rId6"/>
     <p:sldId id="261" r:id="rId7"/>
     <p:sldId id="262" r:id="rId8"/>
@@ -121,6 +121,11 @@
       </a:defRPr>
     </a:lvl9pPr>
   </p:defaultTextStyle>
+  <p:extLst>
+    <p:ext uri="{EFAFB233-063F-42B5-8137-9DF3F51BA10A}">
+      <p15:sldGuideLst xmlns:p15="http://schemas.microsoft.com/office/powerpoint/2012/main"/>
+    </p:ext>
+  </p:extLst>
 </p:presentation>
 </file>
 
@@ -273,7 +278,7 @@
           <a:p>
             <a:fld id="{0027A395-4F40-4DF5-9F8C-6EE7557DFF54}" type="datetimeFigureOut">
               <a:rPr lang="en-IN" smtClean="0"/>
-              <a:t>01-10-2023</a:t>
+              <a:t>02-10-2023</a:t>
             </a:fld>
             <a:endParaRPr lang="en-IN"/>
           </a:p>
@@ -473,7 +478,7 @@
           <a:p>
             <a:fld id="{0027A395-4F40-4DF5-9F8C-6EE7557DFF54}" type="datetimeFigureOut">
               <a:rPr lang="en-IN" smtClean="0"/>
-              <a:t>01-10-2023</a:t>
+              <a:t>02-10-2023</a:t>
             </a:fld>
             <a:endParaRPr lang="en-IN"/>
           </a:p>
@@ -683,7 +688,7 @@
           <a:p>
             <a:fld id="{0027A395-4F40-4DF5-9F8C-6EE7557DFF54}" type="datetimeFigureOut">
               <a:rPr lang="en-IN" smtClean="0"/>
-              <a:t>01-10-2023</a:t>
+              <a:t>02-10-2023</a:t>
             </a:fld>
             <a:endParaRPr lang="en-IN"/>
           </a:p>
@@ -883,7 +888,7 @@
           <a:p>
             <a:fld id="{0027A395-4F40-4DF5-9F8C-6EE7557DFF54}" type="datetimeFigureOut">
               <a:rPr lang="en-IN" smtClean="0"/>
-              <a:t>01-10-2023</a:t>
+              <a:t>02-10-2023</a:t>
             </a:fld>
             <a:endParaRPr lang="en-IN"/>
           </a:p>
@@ -1159,7 +1164,7 @@
           <a:p>
             <a:fld id="{0027A395-4F40-4DF5-9F8C-6EE7557DFF54}" type="datetimeFigureOut">
               <a:rPr lang="en-IN" smtClean="0"/>
-              <a:t>01-10-2023</a:t>
+              <a:t>02-10-2023</a:t>
             </a:fld>
             <a:endParaRPr lang="en-IN"/>
           </a:p>
@@ -1427,7 +1432,7 @@
           <a:p>
             <a:fld id="{0027A395-4F40-4DF5-9F8C-6EE7557DFF54}" type="datetimeFigureOut">
               <a:rPr lang="en-IN" smtClean="0"/>
-              <a:t>01-10-2023</a:t>
+              <a:t>02-10-2023</a:t>
             </a:fld>
             <a:endParaRPr lang="en-IN"/>
           </a:p>
@@ -1842,7 +1847,7 @@
           <a:p>
             <a:fld id="{0027A395-4F40-4DF5-9F8C-6EE7557DFF54}" type="datetimeFigureOut">
               <a:rPr lang="en-IN" smtClean="0"/>
-              <a:t>01-10-2023</a:t>
+              <a:t>02-10-2023</a:t>
             </a:fld>
             <a:endParaRPr lang="en-IN"/>
           </a:p>
@@ -1984,7 +1989,7 @@
           <a:p>
             <a:fld id="{0027A395-4F40-4DF5-9F8C-6EE7557DFF54}" type="datetimeFigureOut">
               <a:rPr lang="en-IN" smtClean="0"/>
-              <a:t>01-10-2023</a:t>
+              <a:t>02-10-2023</a:t>
             </a:fld>
             <a:endParaRPr lang="en-IN"/>
           </a:p>
@@ -2097,7 +2102,7 @@
           <a:p>
             <a:fld id="{0027A395-4F40-4DF5-9F8C-6EE7557DFF54}" type="datetimeFigureOut">
               <a:rPr lang="en-IN" smtClean="0"/>
-              <a:t>01-10-2023</a:t>
+              <a:t>02-10-2023</a:t>
             </a:fld>
             <a:endParaRPr lang="en-IN"/>
           </a:p>
@@ -2410,7 +2415,7 @@
           <a:p>
             <a:fld id="{0027A395-4F40-4DF5-9F8C-6EE7557DFF54}" type="datetimeFigureOut">
               <a:rPr lang="en-IN" smtClean="0"/>
-              <a:t>01-10-2023</a:t>
+              <a:t>02-10-2023</a:t>
             </a:fld>
             <a:endParaRPr lang="en-IN"/>
           </a:p>
@@ -2699,7 +2704,7 @@
           <a:p>
             <a:fld id="{0027A395-4F40-4DF5-9F8C-6EE7557DFF54}" type="datetimeFigureOut">
               <a:rPr lang="en-IN" smtClean="0"/>
-              <a:t>01-10-2023</a:t>
+              <a:t>02-10-2023</a:t>
             </a:fld>
             <a:endParaRPr lang="en-IN"/>
           </a:p>
@@ -2972,7 +2977,7 @@
           <a:p>
             <a:fld id="{0027A395-4F40-4DF5-9F8C-6EE7557DFF54}" type="datetimeFigureOut">
               <a:rPr lang="en-IN" smtClean="0"/>
-              <a:t>01-10-2023</a:t>
+              <a:t>02-10-2023</a:t>
             </a:fld>
             <a:endParaRPr lang="en-IN"/>
           </a:p>
@@ -4731,10 +4736,10 @@
       </p:grpSpPr>
       <p:sp>
         <p:nvSpPr>
-          <p:cNvPr id="4" name="TextBox 3">
-            <a:extLst>
-              <a:ext uri="{FF2B5EF4-FFF2-40B4-BE49-F238E27FC236}">
-                <a16:creationId xmlns:a16="http://schemas.microsoft.com/office/drawing/2014/main" id="{ABEA3871-0515-23B2-C1BD-FCFC9CE0EE67}"/>
+          <p:cNvPr id="2" name="TextBox 1">
+            <a:extLst>
+              <a:ext uri="{FF2B5EF4-FFF2-40B4-BE49-F238E27FC236}">
+                <a16:creationId xmlns:a16="http://schemas.microsoft.com/office/drawing/2014/main" id="{439AAC7B-7A65-5C3F-AA82-7EB42697C7A5}"/>
               </a:ext>
             </a:extLst>
           </p:cNvPr>
@@ -4743,8 +4748,8 @@
         </p:nvSpPr>
         <p:spPr>
           <a:xfrm>
-            <a:off x="1138334" y="1604865"/>
-            <a:ext cx="10534261" cy="2585323"/>
+            <a:off x="858416" y="783771"/>
+            <a:ext cx="10487608" cy="4801314"/>
           </a:xfrm>
           <a:prstGeom prst="rect">
             <a:avLst/>
@@ -4757,25 +4762,12 @@
           </a:bodyPr>
           <a:lstStyle/>
           <a:p>
-            <a:r>
-              <a:rPr lang="en-IN" dirty="0"/>
-              <a:t>GIT Repository Path : </a:t>
-            </a:r>
-            <a:r>
-              <a:rPr lang="en-IN" dirty="0">
-                <a:hlinkClick r:id="rId2"/>
-              </a:rPr>
-              <a:t>https://github.com/kavyakotagiri/GrowDataApplication</a:t>
-            </a:r>
             <a:endParaRPr lang="en-IN" dirty="0"/>
           </a:p>
           <a:p>
-            <a:endParaRPr lang="en-IN" dirty="0"/>
-          </a:p>
-          <a:p>
-            <a:r>
-              <a:rPr lang="en-IN" dirty="0"/>
-              <a:t>Files details :</a:t>
+            <a:r>
+              <a:rPr lang="en-IN" b="1" u="sng" dirty="0"/>
+              <a:t>Problem Statements:</a:t>
             </a:r>
           </a:p>
           <a:p>
@@ -4785,6 +4777,29 @@
             <a:pPr marL="342900" indent="-342900">
               <a:buAutoNum type="arabicPeriod"/>
             </a:pPr>
+            <a:r>
+              <a:rPr lang="en-IN" dirty="0"/>
+              <a:t>Separate excel sheets data into different CSV files</a:t>
+            </a:r>
+          </a:p>
+          <a:p>
+            <a:pPr marL="342900" indent="-342900">
+              <a:buFontTx/>
+              <a:buAutoNum type="arabicPeriod"/>
+            </a:pPr>
+            <a:r>
+              <a:rPr lang="en-IN" dirty="0"/>
+              <a:t>Cleaning of data</a:t>
+            </a:r>
+          </a:p>
+          <a:p>
+            <a:pPr marL="342900" indent="-342900">
+              <a:buAutoNum type="arabicPeriod"/>
+            </a:pPr>
+            <a:r>
+              <a:rPr lang="en-IN" dirty="0"/>
+              <a:t>Separate Modules for each Department data for </a:t>
+            </a:r>
             <a:r>
               <a:rPr lang="en-IN" sz="1800" dirty="0">
                 <a:effectLst/>
@@ -4792,7 +4807,35 @@
                 <a:ea typeface="Calibri" panose="020F0502020204030204" pitchFamily="34" charset="0"/>
                 <a:cs typeface="Times New Roman" panose="02020603050405020304" pitchFamily="18" charset="0"/>
               </a:rPr>
-              <a:t>Data File – GrowDataBank.xlsx</a:t>
+              <a:t>integrity.</a:t>
+            </a:r>
+            <a:endParaRPr lang="en-IN" dirty="0"/>
+          </a:p>
+          <a:p>
+            <a:pPr marL="800100" lvl="1" indent="-342900">
+              <a:buAutoNum type="arabicPeriod"/>
+            </a:pPr>
+            <a:r>
+              <a:rPr lang="en-IN" dirty="0"/>
+              <a:t>Savings Account</a:t>
+            </a:r>
+          </a:p>
+          <a:p>
+            <a:pPr marL="800100" lvl="1" indent="-342900">
+              <a:buAutoNum type="arabicPeriod"/>
+            </a:pPr>
+            <a:r>
+              <a:rPr lang="en-IN" dirty="0"/>
+              <a:t>Loan Account</a:t>
+            </a:r>
+          </a:p>
+          <a:p>
+            <a:pPr marL="800100" lvl="1" indent="-342900">
+              <a:buAutoNum type="arabicPeriod"/>
+            </a:pPr>
+            <a:r>
+              <a:rPr lang="en-IN" dirty="0"/>
+              <a:t>Credit Card</a:t>
             </a:r>
           </a:p>
           <a:p>
@@ -4801,15 +4844,7 @@
             </a:pPr>
             <a:r>
               <a:rPr lang="en-IN" dirty="0"/>
-              <a:t>GrowDataBankApplication.py</a:t>
-            </a:r>
-            <a:r>
-              <a:rPr lang="en-IN" dirty="0">
-                <a:latin typeface="Calibri" panose="020F0502020204030204" pitchFamily="34" charset="0"/>
-                <a:ea typeface="Calibri" panose="020F0502020204030204" pitchFamily="34" charset="0"/>
-                <a:cs typeface="Times New Roman" panose="02020603050405020304" pitchFamily="18" charset="0"/>
-              </a:rPr>
-              <a:t> – Code file which has all the logic</a:t>
+              <a:t>Utilize OOPS principles</a:t>
             </a:r>
           </a:p>
           <a:p>
@@ -4818,7 +4853,7 @@
             </a:pPr>
             <a:r>
               <a:rPr lang="en-IN" dirty="0"/>
-              <a:t>GrowDataBankApplication.ibynp – Same code file but to run on Jupyter Notebook</a:t>
+              <a:t>Financial Summary Data</a:t>
             </a:r>
           </a:p>
           <a:p>
@@ -4827,7 +4862,7 @@
             </a:pPr>
             <a:r>
               <a:rPr lang="en-IN" dirty="0"/>
-              <a:t>GrowDataBank_Application.ppt – PPT with all the Application details</a:t>
+              <a:t>Transaction History Data using Linked List Data Structure</a:t>
             </a:r>
           </a:p>
           <a:p>
@@ -4836,7 +4871,44 @@
             </a:pPr>
             <a:r>
               <a:rPr lang="en-IN" dirty="0"/>
-              <a:t>README.md – contains details of each class and method in the application code.</a:t>
+              <a:t>NPA Identification</a:t>
+            </a:r>
+          </a:p>
+          <a:p>
+            <a:pPr marL="342900" indent="-342900">
+              <a:buAutoNum type="arabicPeriod"/>
+            </a:pPr>
+            <a:r>
+              <a:rPr lang="en-IN" dirty="0"/>
+              <a:t>Credit Card Offering</a:t>
+            </a:r>
+          </a:p>
+          <a:p>
+            <a:pPr marL="342900" indent="-342900">
+              <a:buAutoNum type="arabicPeriod"/>
+            </a:pPr>
+            <a:r>
+              <a:rPr lang="en-IN" dirty="0"/>
+              <a:t>High Missed EMI’s Customers</a:t>
+            </a:r>
+          </a:p>
+          <a:p>
+            <a:pPr marL="342900" indent="-342900">
+              <a:buFontTx/>
+              <a:buAutoNum type="arabicPeriod"/>
+            </a:pPr>
+            <a:r>
+              <a:rPr lang="en-IN" dirty="0"/>
+              <a:t>Monthly Spends of each customer</a:t>
+            </a:r>
+          </a:p>
+          <a:p>
+            <a:pPr marL="342900" indent="-342900">
+              <a:buAutoNum type="arabicPeriod"/>
+            </a:pPr>
+            <a:r>
+              <a:rPr lang="en-IN" dirty="0"/>
+              <a:t>Data Visualization</a:t>
             </a:r>
           </a:p>
         </p:txBody>
@@ -4844,7 +4916,7 @@
     </p:spTree>
     <p:extLst>
       <p:ext uri="{BB962C8B-B14F-4D97-AF65-F5344CB8AC3E}">
-        <p14:creationId xmlns:p14="http://schemas.microsoft.com/office/powerpoint/2010/main" val="3747561546"/>
+        <p14:creationId xmlns:p14="http://schemas.microsoft.com/office/powerpoint/2010/main" val="3921473173"/>
       </p:ext>
     </p:extLst>
   </p:cSld>
@@ -4873,10 +4945,10 @@
       </p:grpSpPr>
       <p:sp>
         <p:nvSpPr>
-          <p:cNvPr id="3" name="TextBox 2">
-            <a:extLst>
-              <a:ext uri="{FF2B5EF4-FFF2-40B4-BE49-F238E27FC236}">
-                <a16:creationId xmlns:a16="http://schemas.microsoft.com/office/drawing/2014/main" id="{98FCF530-D21C-6EF7-7ED0-5521B68030EA}"/>
+          <p:cNvPr id="4" name="TextBox 3">
+            <a:extLst>
+              <a:ext uri="{FF2B5EF4-FFF2-40B4-BE49-F238E27FC236}">
+                <a16:creationId xmlns:a16="http://schemas.microsoft.com/office/drawing/2014/main" id="{ABEA3871-0515-23B2-C1BD-FCFC9CE0EE67}"/>
               </a:ext>
             </a:extLst>
           </p:cNvPr>
@@ -4885,8 +4957,8 @@
         </p:nvSpPr>
         <p:spPr>
           <a:xfrm>
-            <a:off x="1212979" y="1371600"/>
-            <a:ext cx="9927771" cy="3970318"/>
+            <a:off x="1138334" y="1604865"/>
+            <a:ext cx="10534261" cy="2585323"/>
           </a:xfrm>
           <a:prstGeom prst="rect">
             <a:avLst/>
@@ -4901,70 +4973,84 @@
           <a:p>
             <a:r>
               <a:rPr lang="en-IN" dirty="0"/>
-              <a:t>GrowDataApplication can be run using Visual Studio code or using Jupyter Notebook</a:t>
-            </a:r>
-          </a:p>
-          <a:p>
-            <a:r>
-              <a:rPr lang="en-IN" dirty="0"/>
-              <a:t>Separate files for VSCode and Jupyter Notebook are provided</a:t>
-            </a:r>
-          </a:p>
-          <a:p>
+              <a:t>GIT Repository Path : </a:t>
+            </a:r>
+            <a:r>
+              <a:rPr lang="en-IN" dirty="0">
+                <a:hlinkClick r:id="rId2"/>
+              </a:rPr>
+              <a:t>https://github.com/kavyakotagiri/GrowDataApplication</a:t>
+            </a:r>
             <a:endParaRPr lang="en-IN" dirty="0"/>
           </a:p>
           <a:p>
-            <a:r>
-              <a:rPr lang="en-IN" dirty="0"/>
-              <a:t>Run the below file to run the application in VS Code :</a:t>
-            </a:r>
-          </a:p>
-          <a:p>
+            <a:endParaRPr lang="en-IN" dirty="0"/>
+          </a:p>
+          <a:p>
+            <a:r>
+              <a:rPr lang="en-IN" dirty="0"/>
+              <a:t>Files details :</a:t>
+            </a:r>
+          </a:p>
+          <a:p>
+            <a:endParaRPr lang="en-IN" dirty="0"/>
+          </a:p>
+          <a:p>
+            <a:pPr marL="342900" indent="-342900">
+              <a:buAutoNum type="arabicPeriod"/>
+            </a:pPr>
+            <a:r>
+              <a:rPr lang="en-IN" sz="1800" dirty="0">
+                <a:effectLst/>
+                <a:latin typeface="Calibri" panose="020F0502020204030204" pitchFamily="34" charset="0"/>
+                <a:ea typeface="Calibri" panose="020F0502020204030204" pitchFamily="34" charset="0"/>
+                <a:cs typeface="Times New Roman" panose="02020603050405020304" pitchFamily="18" charset="0"/>
+              </a:rPr>
+              <a:t>Data File – GrowDataBank.xlsx</a:t>
+            </a:r>
+          </a:p>
+          <a:p>
+            <a:pPr marL="342900" indent="-342900">
+              <a:buAutoNum type="arabicPeriod"/>
+            </a:pPr>
             <a:r>
               <a:rPr lang="en-IN" dirty="0"/>
               <a:t>GrowDataBankApplication.py</a:t>
             </a:r>
-          </a:p>
-          <a:p>
-            <a:endParaRPr lang="en-IN" dirty="0"/>
-          </a:p>
-          <a:p>
-            <a:r>
-              <a:rPr lang="en-IN" dirty="0"/>
-              <a:t>Run the below file to run the application in Jupyter Notebook:</a:t>
-            </a:r>
-          </a:p>
-          <a:p>
-            <a:r>
-              <a:rPr lang="en-IN" dirty="0"/>
-              <a:t>GrowDataBankApplication.ipynp</a:t>
-            </a:r>
-          </a:p>
-          <a:p>
-            <a:endParaRPr lang="en-IN" dirty="0"/>
-          </a:p>
-          <a:p>
-            <a:r>
-              <a:rPr lang="en-IN" dirty="0"/>
-              <a:t>Make sure DataGrowBank.xlsx file is available in the same folder the above code file is.</a:t>
-            </a:r>
-          </a:p>
-          <a:p>
-            <a:endParaRPr lang="en-IN" dirty="0"/>
-          </a:p>
-          <a:p>
-            <a:r>
-              <a:rPr lang="en-IN" dirty="0"/>
-              <a:t>Also make sure all the required libraries are installed on VSCode/Jupyter Notebook</a:t>
-            </a:r>
-          </a:p>
-          <a:p>
-            <a:endParaRPr lang="en-IN" dirty="0"/>
-          </a:p>
-          <a:p>
-            <a:r>
-              <a:rPr lang="en-IN" dirty="0"/>
-              <a:t> </a:t>
+            <a:r>
+              <a:rPr lang="en-IN" dirty="0">
+                <a:latin typeface="Calibri" panose="020F0502020204030204" pitchFamily="34" charset="0"/>
+                <a:ea typeface="Calibri" panose="020F0502020204030204" pitchFamily="34" charset="0"/>
+                <a:cs typeface="Times New Roman" panose="02020603050405020304" pitchFamily="18" charset="0"/>
+              </a:rPr>
+              <a:t> – Python code file that has all the application logic to get insights of data</a:t>
+            </a:r>
+          </a:p>
+          <a:p>
+            <a:pPr marL="342900" indent="-342900">
+              <a:buAutoNum type="arabicPeriod"/>
+            </a:pPr>
+            <a:r>
+              <a:rPr lang="en-IN" dirty="0"/>
+              <a:t>GrowDataBankApplication.ibynp – Jupyter notebook code file with same logic as in above file</a:t>
+            </a:r>
+          </a:p>
+          <a:p>
+            <a:pPr marL="342900" indent="-342900">
+              <a:buAutoNum type="arabicPeriod"/>
+            </a:pPr>
+            <a:r>
+              <a:rPr lang="en-IN" dirty="0"/>
+              <a:t>GrowDataBank_Application.ppt – PPT with all the details</a:t>
+            </a:r>
+          </a:p>
+          <a:p>
+            <a:pPr marL="342900" indent="-342900">
+              <a:buAutoNum type="arabicPeriod"/>
+            </a:pPr>
+            <a:r>
+              <a:rPr lang="en-IN" dirty="0"/>
+              <a:t>README.md – Contains details of each class and its methods in the application code.</a:t>
             </a:r>
           </a:p>
         </p:txBody>
@@ -4972,7 +5058,7 @@
     </p:spTree>
     <p:extLst>
       <p:ext uri="{BB962C8B-B14F-4D97-AF65-F5344CB8AC3E}">
-        <p14:creationId xmlns:p14="http://schemas.microsoft.com/office/powerpoint/2010/main" val="193812382"/>
+        <p14:creationId xmlns:p14="http://schemas.microsoft.com/office/powerpoint/2010/main" val="3747561546"/>
       </p:ext>
     </p:extLst>
   </p:cSld>
@@ -5001,10 +5087,10 @@
       </p:grpSpPr>
       <p:sp>
         <p:nvSpPr>
-          <p:cNvPr id="2" name="TextBox 1">
-            <a:extLst>
-              <a:ext uri="{FF2B5EF4-FFF2-40B4-BE49-F238E27FC236}">
-                <a16:creationId xmlns:a16="http://schemas.microsoft.com/office/drawing/2014/main" id="{439AAC7B-7A65-5C3F-AA82-7EB42697C7A5}"/>
+          <p:cNvPr id="3" name="TextBox 2">
+            <a:extLst>
+              <a:ext uri="{FF2B5EF4-FFF2-40B4-BE49-F238E27FC236}">
+                <a16:creationId xmlns:a16="http://schemas.microsoft.com/office/drawing/2014/main" id="{98FCF530-D21C-6EF7-7ED0-5521B68030EA}"/>
               </a:ext>
             </a:extLst>
           </p:cNvPr>
@@ -5013,8 +5099,8 @@
         </p:nvSpPr>
         <p:spPr>
           <a:xfrm>
-            <a:off x="858416" y="783771"/>
-            <a:ext cx="10487608" cy="4801314"/>
+            <a:off x="1212979" y="1371600"/>
+            <a:ext cx="9927771" cy="3693319"/>
           </a:xfrm>
           <a:prstGeom prst="rect">
             <a:avLst/>
@@ -5027,151 +5113,74 @@
           </a:bodyPr>
           <a:lstStyle/>
           <a:p>
+            <a:r>
+              <a:rPr lang="en-IN" dirty="0"/>
+              <a:t>GrowDataApplication can be run using Visual Studio code or using Jupyter Notebook.</a:t>
+            </a:r>
+          </a:p>
+          <a:p>
+            <a:r>
+              <a:rPr lang="en-IN" dirty="0"/>
+              <a:t>Separate files for VSCode and Jupyter Notebook are provided.</a:t>
+            </a:r>
+          </a:p>
+          <a:p>
             <a:endParaRPr lang="en-IN" dirty="0"/>
           </a:p>
           <a:p>
             <a:r>
-              <a:rPr lang="en-IN" b="1" u="sng" dirty="0"/>
-              <a:t>Problem Statements:</a:t>
+              <a:rPr lang="en-IN" dirty="0"/>
+              <a:t>Run the below file to run the application in VS Code :</a:t>
+            </a:r>
+          </a:p>
+          <a:p>
+            <a:r>
+              <a:rPr lang="en-IN" dirty="0"/>
+              <a:t>GrowDataBankApplication.py</a:t>
             </a:r>
           </a:p>
           <a:p>
             <a:endParaRPr lang="en-IN" dirty="0"/>
           </a:p>
           <a:p>
-            <a:pPr marL="342900" indent="-342900">
-              <a:buAutoNum type="arabicPeriod"/>
-            </a:pPr>
-            <a:r>
-              <a:rPr lang="en-IN" dirty="0"/>
-              <a:t>Separate excel sheets data into different CSV files</a:t>
-            </a:r>
-          </a:p>
-          <a:p>
-            <a:pPr marL="342900" indent="-342900">
-              <a:buFontTx/>
-              <a:buAutoNum type="arabicPeriod"/>
-            </a:pPr>
-            <a:r>
-              <a:rPr lang="en-IN" dirty="0"/>
-              <a:t>Cleaning of data</a:t>
-            </a:r>
-          </a:p>
-          <a:p>
-            <a:pPr marL="342900" indent="-342900">
-              <a:buAutoNum type="arabicPeriod"/>
-            </a:pPr>
-            <a:r>
-              <a:rPr lang="en-IN" dirty="0"/>
-              <a:t>Separate Modules for each Department</a:t>
-            </a:r>
-          </a:p>
-          <a:p>
-            <a:pPr marL="800100" lvl="1" indent="-342900">
-              <a:buAutoNum type="arabicPeriod"/>
-            </a:pPr>
-            <a:r>
-              <a:rPr lang="en-IN" dirty="0"/>
-              <a:t>Savings Account</a:t>
-            </a:r>
-          </a:p>
-          <a:p>
-            <a:pPr marL="800100" lvl="1" indent="-342900">
-              <a:buAutoNum type="arabicPeriod"/>
-            </a:pPr>
-            <a:r>
-              <a:rPr lang="en-IN" dirty="0"/>
-              <a:t>Loan Account</a:t>
-            </a:r>
-          </a:p>
-          <a:p>
-            <a:pPr marL="800100" lvl="1" indent="-342900">
-              <a:buAutoNum type="arabicPeriod"/>
-            </a:pPr>
-            <a:r>
-              <a:rPr lang="en-IN" dirty="0"/>
-              <a:t>Credit Card</a:t>
-            </a:r>
-          </a:p>
-          <a:p>
-            <a:pPr marL="342900" indent="-342900">
-              <a:buAutoNum type="arabicPeriod"/>
-            </a:pPr>
-            <a:r>
-              <a:rPr lang="en-IN" dirty="0"/>
-              <a:t>Utilize OOPS principles</a:t>
-            </a:r>
-          </a:p>
-          <a:p>
-            <a:pPr marL="342900" indent="-342900">
-              <a:buAutoNum type="arabicPeriod"/>
-            </a:pPr>
-            <a:r>
-              <a:rPr lang="en-IN" dirty="0"/>
-              <a:t>Financial Summary Data</a:t>
-            </a:r>
-          </a:p>
-          <a:p>
-            <a:pPr marL="342900" indent="-342900">
-              <a:buAutoNum type="arabicPeriod"/>
-            </a:pPr>
-            <a:r>
-              <a:rPr lang="en-IN" dirty="0"/>
-              <a:t>Transaction History Data using Linked List Data Structure</a:t>
-            </a:r>
-          </a:p>
-          <a:p>
-            <a:pPr marL="342900" indent="-342900">
-              <a:buAutoNum type="arabicPeriod"/>
-            </a:pPr>
-            <a:r>
-              <a:rPr lang="en-IN" dirty="0"/>
-              <a:t>NPA Identification</a:t>
-            </a:r>
-          </a:p>
-          <a:p>
-            <a:pPr marL="342900" indent="-342900">
-              <a:buAutoNum type="arabicPeriod"/>
-            </a:pPr>
-            <a:r>
-              <a:rPr lang="en-IN" dirty="0"/>
-              <a:t>Credit Card Offering</a:t>
-            </a:r>
-          </a:p>
-          <a:p>
-            <a:pPr marL="342900" indent="-342900">
-              <a:buAutoNum type="arabicPeriod"/>
-            </a:pPr>
-            <a:r>
-              <a:rPr lang="en-IN" dirty="0"/>
-              <a:t>High Missed EMI’s Customers</a:t>
-            </a:r>
-          </a:p>
-          <a:p>
-            <a:pPr marL="342900" indent="-342900">
-              <a:buFontTx/>
-              <a:buAutoNum type="arabicPeriod"/>
-            </a:pPr>
-            <a:r>
-              <a:rPr lang="en-IN" dirty="0"/>
-              <a:t>Monthly Spends of each customer</a:t>
-            </a:r>
-          </a:p>
-          <a:p>
-            <a:pPr marL="342900" indent="-342900">
-              <a:buAutoNum type="arabicPeriod"/>
-            </a:pPr>
-            <a:r>
-              <a:rPr lang="en-IN" dirty="0"/>
-              <a:t>Data Visualization</a:t>
-            </a:r>
+            <a:r>
+              <a:rPr lang="en-IN" dirty="0"/>
+              <a:t>Run the below file to run the application in Jupyter Notebook:</a:t>
+            </a:r>
+          </a:p>
+          <a:p>
+            <a:r>
+              <a:rPr lang="en-IN" dirty="0"/>
+              <a:t>GrowDataBankApplication.ipynp</a:t>
+            </a:r>
+          </a:p>
+          <a:p>
+            <a:endParaRPr lang="en-IN" dirty="0"/>
+          </a:p>
+          <a:p>
+            <a:r>
+              <a:rPr lang="en-IN" dirty="0"/>
+              <a:t>Make sure DataGrowBank.xlsx file is available in the same folder the above code files are placed.</a:t>
+            </a:r>
+          </a:p>
+          <a:p>
+            <a:endParaRPr lang="en-IN" dirty="0"/>
+          </a:p>
+          <a:p>
+            <a:r>
+              <a:rPr lang="en-IN" dirty="0"/>
+              <a:t>Also make sure all the required libraries are installed on VSCode/Jupyter Notebook</a:t>
+            </a:r>
+          </a:p>
+          <a:p>
+            <a:endParaRPr lang="en-IN" dirty="0"/>
           </a:p>
         </p:txBody>
       </p:sp>
     </p:spTree>
     <p:extLst>
       <p:ext uri="{BB962C8B-B14F-4D97-AF65-F5344CB8AC3E}">
-        <p14:creationId xmlns:p14="http://schemas.microsoft.com/office/powerpoint/2010/main" val="3921473173"/>
+        <p14:creationId xmlns:p14="http://schemas.microsoft.com/office/powerpoint/2010/main" val="193812382"/>
       </p:ext>
     </p:extLst>
   </p:cSld>
